--- a/ppt 16-9/0903.我祝愿神的仆人.pptx
+++ b/ppt 16-9/0903.我祝愿神的仆人.pptx
@@ -5,7 +5,7 @@
     <p:sldMasterId id="2147483648" r:id="rId1"/>
   </p:sldMasterIdLst>
   <p:sldIdLst>
-    <p:sldId id="259" r:id="rId2"/>
+    <p:sldId id="261" r:id="rId2"/>
   </p:sldIdLst>
   <p:sldSz cx="12192000" cy="6858000"/>
   <p:notesSz cx="6858000" cy="9144000"/>
@@ -129,7 +129,7 @@
           <p:cNvPr id="2" name="标题 1">
             <a:extLst>
               <a:ext uri="{FF2B5EF4-FFF2-40B4-BE49-F238E27FC236}">
-                <a16:creationId xmlns:a16="http://schemas.microsoft.com/office/drawing/2014/main" id="{774798C5-7F3C-245A-CD66-98C0C1729F19}"/>
+                <a16:creationId xmlns:a16="http://schemas.microsoft.com/office/drawing/2014/main" id="{91BE5497-1F0E-5D2C-C388-BAD2789E4C2F}"/>
               </a:ext>
             </a:extLst>
           </p:cNvPr>
@@ -166,7 +166,7 @@
           <p:cNvPr id="3" name="副标题 2">
             <a:extLst>
               <a:ext uri="{FF2B5EF4-FFF2-40B4-BE49-F238E27FC236}">
-                <a16:creationId xmlns:a16="http://schemas.microsoft.com/office/drawing/2014/main" id="{94BAFE51-2E58-5ACB-CF75-5CD2AD414B4A}"/>
+                <a16:creationId xmlns:a16="http://schemas.microsoft.com/office/drawing/2014/main" id="{8CF0ADFC-CEF5-2D59-BF87-FA4974F528C3}"/>
               </a:ext>
             </a:extLst>
           </p:cNvPr>
@@ -236,7 +236,7 @@
           <p:cNvPr id="4" name="日期占位符 3">
             <a:extLst>
               <a:ext uri="{FF2B5EF4-FFF2-40B4-BE49-F238E27FC236}">
-                <a16:creationId xmlns:a16="http://schemas.microsoft.com/office/drawing/2014/main" id="{FAF7D54B-FE42-0FC2-90DC-F01189579E63}"/>
+                <a16:creationId xmlns:a16="http://schemas.microsoft.com/office/drawing/2014/main" id="{ECB1D954-3E9C-AE5D-A43E-35EA43AC1B53}"/>
               </a:ext>
             </a:extLst>
           </p:cNvPr>
@@ -252,7 +252,7 @@
           <a:bodyPr/>
           <a:lstStyle/>
           <a:p>
-            <a:fld id="{51BF1174-4EEC-4695-AA6B-1442AAD6DF70}" type="datetimeFigureOut">
+            <a:fld id="{08310540-18F3-47C1-BEA3-926EB97D7935}" type="datetimeFigureOut">
               <a:rPr lang="zh-CN" altLang="en-US" smtClean="0"/>
               <a:t>2024/3/10</a:t>
             </a:fld>
@@ -265,7 +265,7 @@
           <p:cNvPr id="5" name="页脚占位符 4">
             <a:extLst>
               <a:ext uri="{FF2B5EF4-FFF2-40B4-BE49-F238E27FC236}">
-                <a16:creationId xmlns:a16="http://schemas.microsoft.com/office/drawing/2014/main" id="{1B93E9CE-1884-7784-6922-5C93A6041AC0}"/>
+                <a16:creationId xmlns:a16="http://schemas.microsoft.com/office/drawing/2014/main" id="{95C2018C-DB2D-D92F-8E4E-A15C833197E5}"/>
               </a:ext>
             </a:extLst>
           </p:cNvPr>
@@ -290,7 +290,7 @@
           <p:cNvPr id="6" name="灯片编号占位符 5">
             <a:extLst>
               <a:ext uri="{FF2B5EF4-FFF2-40B4-BE49-F238E27FC236}">
-                <a16:creationId xmlns:a16="http://schemas.microsoft.com/office/drawing/2014/main" id="{123D9EFC-E145-CB04-AB0C-A5D94F0FD94D}"/>
+                <a16:creationId xmlns:a16="http://schemas.microsoft.com/office/drawing/2014/main" id="{C840CF63-D3FF-01B1-877E-5C539FBD2DBD}"/>
               </a:ext>
             </a:extLst>
           </p:cNvPr>
@@ -306,7 +306,7 @@
           <a:bodyPr/>
           <a:lstStyle/>
           <a:p>
-            <a:fld id="{1726235B-DB0B-4AA6-A3B7-CE4CF7EB5A27}" type="slidenum">
+            <a:fld id="{8313C9DB-CE00-4CC9-9791-220E47FF8678}" type="slidenum">
               <a:rPr lang="zh-CN" altLang="en-US" smtClean="0"/>
               <a:t>‹#›</a:t>
             </a:fld>
@@ -317,7 +317,7 @@
     </p:spTree>
     <p:extLst>
       <p:ext uri="{BB962C8B-B14F-4D97-AF65-F5344CB8AC3E}">
-        <p14:creationId xmlns:p14="http://schemas.microsoft.com/office/powerpoint/2010/main" val="1698621496"/>
+        <p14:creationId xmlns:p14="http://schemas.microsoft.com/office/powerpoint/2010/main" val="1151068194"/>
       </p:ext>
     </p:extLst>
   </p:cSld>
@@ -349,7 +349,7 @@
           <p:cNvPr id="2" name="标题 1">
             <a:extLst>
               <a:ext uri="{FF2B5EF4-FFF2-40B4-BE49-F238E27FC236}">
-                <a16:creationId xmlns:a16="http://schemas.microsoft.com/office/drawing/2014/main" id="{AE8EBE42-C242-D8B8-E209-8D55C5CD7223}"/>
+                <a16:creationId xmlns:a16="http://schemas.microsoft.com/office/drawing/2014/main" id="{8B2ED974-F634-846B-1EC0-FAC6292CD95C}"/>
               </a:ext>
             </a:extLst>
           </p:cNvPr>
@@ -377,7 +377,7 @@
           <p:cNvPr id="3" name="竖排文字占位符 2">
             <a:extLst>
               <a:ext uri="{FF2B5EF4-FFF2-40B4-BE49-F238E27FC236}">
-                <a16:creationId xmlns:a16="http://schemas.microsoft.com/office/drawing/2014/main" id="{C2D37424-DADD-74C4-764F-05E2C9FB0982}"/>
+                <a16:creationId xmlns:a16="http://schemas.microsoft.com/office/drawing/2014/main" id="{C61E5A90-B5BB-6DE4-8AE2-63D538B17FD8}"/>
               </a:ext>
             </a:extLst>
           </p:cNvPr>
@@ -434,7 +434,7 @@
           <p:cNvPr id="4" name="日期占位符 3">
             <a:extLst>
               <a:ext uri="{FF2B5EF4-FFF2-40B4-BE49-F238E27FC236}">
-                <a16:creationId xmlns:a16="http://schemas.microsoft.com/office/drawing/2014/main" id="{BFB32DF4-08E0-F59F-69BC-5E33F65B91CF}"/>
+                <a16:creationId xmlns:a16="http://schemas.microsoft.com/office/drawing/2014/main" id="{1AD29ACB-C37B-BF9E-59A2-26BF6560F141}"/>
               </a:ext>
             </a:extLst>
           </p:cNvPr>
@@ -450,7 +450,7 @@
           <a:bodyPr/>
           <a:lstStyle/>
           <a:p>
-            <a:fld id="{51BF1174-4EEC-4695-AA6B-1442AAD6DF70}" type="datetimeFigureOut">
+            <a:fld id="{08310540-18F3-47C1-BEA3-926EB97D7935}" type="datetimeFigureOut">
               <a:rPr lang="zh-CN" altLang="en-US" smtClean="0"/>
               <a:t>2024/3/10</a:t>
             </a:fld>
@@ -463,7 +463,7 @@
           <p:cNvPr id="5" name="页脚占位符 4">
             <a:extLst>
               <a:ext uri="{FF2B5EF4-FFF2-40B4-BE49-F238E27FC236}">
-                <a16:creationId xmlns:a16="http://schemas.microsoft.com/office/drawing/2014/main" id="{EF590567-2F7D-79E7-F51F-7C6F0C55D6E6}"/>
+                <a16:creationId xmlns:a16="http://schemas.microsoft.com/office/drawing/2014/main" id="{7660B3FD-7761-297F-66C9-6BB1763E7DAA}"/>
               </a:ext>
             </a:extLst>
           </p:cNvPr>
@@ -488,7 +488,7 @@
           <p:cNvPr id="6" name="灯片编号占位符 5">
             <a:extLst>
               <a:ext uri="{FF2B5EF4-FFF2-40B4-BE49-F238E27FC236}">
-                <a16:creationId xmlns:a16="http://schemas.microsoft.com/office/drawing/2014/main" id="{1E9F24A9-BE3A-B23D-C85D-D678205A54F5}"/>
+                <a16:creationId xmlns:a16="http://schemas.microsoft.com/office/drawing/2014/main" id="{D22D5394-1AC4-7B02-6AA6-022BE2C033D7}"/>
               </a:ext>
             </a:extLst>
           </p:cNvPr>
@@ -504,7 +504,7 @@
           <a:bodyPr/>
           <a:lstStyle/>
           <a:p>
-            <a:fld id="{1726235B-DB0B-4AA6-A3B7-CE4CF7EB5A27}" type="slidenum">
+            <a:fld id="{8313C9DB-CE00-4CC9-9791-220E47FF8678}" type="slidenum">
               <a:rPr lang="zh-CN" altLang="en-US" smtClean="0"/>
               <a:t>‹#›</a:t>
             </a:fld>
@@ -515,7 +515,7 @@
     </p:spTree>
     <p:extLst>
       <p:ext uri="{BB962C8B-B14F-4D97-AF65-F5344CB8AC3E}">
-        <p14:creationId xmlns:p14="http://schemas.microsoft.com/office/powerpoint/2010/main" val="72459317"/>
+        <p14:creationId xmlns:p14="http://schemas.microsoft.com/office/powerpoint/2010/main" val="3209504013"/>
       </p:ext>
     </p:extLst>
   </p:cSld>
@@ -547,7 +547,7 @@
           <p:cNvPr id="2" name="竖排标题 1">
             <a:extLst>
               <a:ext uri="{FF2B5EF4-FFF2-40B4-BE49-F238E27FC236}">
-                <a16:creationId xmlns:a16="http://schemas.microsoft.com/office/drawing/2014/main" id="{D3341363-E12C-B8C0-AF40-6F0D7B564C1E}"/>
+                <a16:creationId xmlns:a16="http://schemas.microsoft.com/office/drawing/2014/main" id="{DD9E6058-6858-F5CE-B329-458BD8B20D48}"/>
               </a:ext>
             </a:extLst>
           </p:cNvPr>
@@ -580,7 +580,7 @@
           <p:cNvPr id="3" name="竖排文字占位符 2">
             <a:extLst>
               <a:ext uri="{FF2B5EF4-FFF2-40B4-BE49-F238E27FC236}">
-                <a16:creationId xmlns:a16="http://schemas.microsoft.com/office/drawing/2014/main" id="{11AB8834-BE1D-0966-E967-214D38DE0433}"/>
+                <a16:creationId xmlns:a16="http://schemas.microsoft.com/office/drawing/2014/main" id="{3558E88B-374D-923A-F09A-9D519A21E1DB}"/>
               </a:ext>
             </a:extLst>
           </p:cNvPr>
@@ -642,7 +642,7 @@
           <p:cNvPr id="4" name="日期占位符 3">
             <a:extLst>
               <a:ext uri="{FF2B5EF4-FFF2-40B4-BE49-F238E27FC236}">
-                <a16:creationId xmlns:a16="http://schemas.microsoft.com/office/drawing/2014/main" id="{5495DD4D-1211-B442-260B-1F3DF522701A}"/>
+                <a16:creationId xmlns:a16="http://schemas.microsoft.com/office/drawing/2014/main" id="{A5FF185B-D664-25E9-F08E-C3F26E7027C5}"/>
               </a:ext>
             </a:extLst>
           </p:cNvPr>
@@ -658,7 +658,7 @@
           <a:bodyPr/>
           <a:lstStyle/>
           <a:p>
-            <a:fld id="{51BF1174-4EEC-4695-AA6B-1442AAD6DF70}" type="datetimeFigureOut">
+            <a:fld id="{08310540-18F3-47C1-BEA3-926EB97D7935}" type="datetimeFigureOut">
               <a:rPr lang="zh-CN" altLang="en-US" smtClean="0"/>
               <a:t>2024/3/10</a:t>
             </a:fld>
@@ -671,7 +671,7 @@
           <p:cNvPr id="5" name="页脚占位符 4">
             <a:extLst>
               <a:ext uri="{FF2B5EF4-FFF2-40B4-BE49-F238E27FC236}">
-                <a16:creationId xmlns:a16="http://schemas.microsoft.com/office/drawing/2014/main" id="{6F8BE512-91B6-1E18-8DEA-88EFF9B880EA}"/>
+                <a16:creationId xmlns:a16="http://schemas.microsoft.com/office/drawing/2014/main" id="{66FF5897-9E45-2EA0-10E1-3C733FB7B297}"/>
               </a:ext>
             </a:extLst>
           </p:cNvPr>
@@ -696,7 +696,7 @@
           <p:cNvPr id="6" name="灯片编号占位符 5">
             <a:extLst>
               <a:ext uri="{FF2B5EF4-FFF2-40B4-BE49-F238E27FC236}">
-                <a16:creationId xmlns:a16="http://schemas.microsoft.com/office/drawing/2014/main" id="{10861A58-394E-9ADC-FA04-1110AAE477B0}"/>
+                <a16:creationId xmlns:a16="http://schemas.microsoft.com/office/drawing/2014/main" id="{63028913-6B94-357D-6A81-22F38C2D38DD}"/>
               </a:ext>
             </a:extLst>
           </p:cNvPr>
@@ -712,7 +712,7 @@
           <a:bodyPr/>
           <a:lstStyle/>
           <a:p>
-            <a:fld id="{1726235B-DB0B-4AA6-A3B7-CE4CF7EB5A27}" type="slidenum">
+            <a:fld id="{8313C9DB-CE00-4CC9-9791-220E47FF8678}" type="slidenum">
               <a:rPr lang="zh-CN" altLang="en-US" smtClean="0"/>
               <a:t>‹#›</a:t>
             </a:fld>
@@ -723,7 +723,7 @@
     </p:spTree>
     <p:extLst>
       <p:ext uri="{BB962C8B-B14F-4D97-AF65-F5344CB8AC3E}">
-        <p14:creationId xmlns:p14="http://schemas.microsoft.com/office/powerpoint/2010/main" val="2287925879"/>
+        <p14:creationId xmlns:p14="http://schemas.microsoft.com/office/powerpoint/2010/main" val="114914007"/>
       </p:ext>
     </p:extLst>
   </p:cSld>
@@ -755,7 +755,7 @@
           <p:cNvPr id="2" name="标题 1">
             <a:extLst>
               <a:ext uri="{FF2B5EF4-FFF2-40B4-BE49-F238E27FC236}">
-                <a16:creationId xmlns:a16="http://schemas.microsoft.com/office/drawing/2014/main" id="{985AD2C5-1255-451B-EFC3-0C397F71D3B8}"/>
+                <a16:creationId xmlns:a16="http://schemas.microsoft.com/office/drawing/2014/main" id="{C422EDED-E4A4-381A-ECEE-495B69BC6DBF}"/>
               </a:ext>
             </a:extLst>
           </p:cNvPr>
@@ -783,7 +783,7 @@
           <p:cNvPr id="3" name="内容占位符 2">
             <a:extLst>
               <a:ext uri="{FF2B5EF4-FFF2-40B4-BE49-F238E27FC236}">
-                <a16:creationId xmlns:a16="http://schemas.microsoft.com/office/drawing/2014/main" id="{EEEF3CB7-FD28-1960-F553-0DA63AFDD583}"/>
+                <a16:creationId xmlns:a16="http://schemas.microsoft.com/office/drawing/2014/main" id="{22772850-2326-1237-79B5-FC14920E2EB6}"/>
               </a:ext>
             </a:extLst>
           </p:cNvPr>
@@ -840,7 +840,7 @@
           <p:cNvPr id="4" name="日期占位符 3">
             <a:extLst>
               <a:ext uri="{FF2B5EF4-FFF2-40B4-BE49-F238E27FC236}">
-                <a16:creationId xmlns:a16="http://schemas.microsoft.com/office/drawing/2014/main" id="{557ACEA4-9938-DE59-C49B-11DA31D13B99}"/>
+                <a16:creationId xmlns:a16="http://schemas.microsoft.com/office/drawing/2014/main" id="{B19A94ED-FACB-3CCD-1DDF-2056D2E4D634}"/>
               </a:ext>
             </a:extLst>
           </p:cNvPr>
@@ -856,7 +856,7 @@
           <a:bodyPr/>
           <a:lstStyle/>
           <a:p>
-            <a:fld id="{51BF1174-4EEC-4695-AA6B-1442AAD6DF70}" type="datetimeFigureOut">
+            <a:fld id="{08310540-18F3-47C1-BEA3-926EB97D7935}" type="datetimeFigureOut">
               <a:rPr lang="zh-CN" altLang="en-US" smtClean="0"/>
               <a:t>2024/3/10</a:t>
             </a:fld>
@@ -869,7 +869,7 @@
           <p:cNvPr id="5" name="页脚占位符 4">
             <a:extLst>
               <a:ext uri="{FF2B5EF4-FFF2-40B4-BE49-F238E27FC236}">
-                <a16:creationId xmlns:a16="http://schemas.microsoft.com/office/drawing/2014/main" id="{6D96CAA3-56C2-EA5C-1164-99A3C89F8C1E}"/>
+                <a16:creationId xmlns:a16="http://schemas.microsoft.com/office/drawing/2014/main" id="{35EF7953-D522-BFD8-C30A-65C881CAF5DF}"/>
               </a:ext>
             </a:extLst>
           </p:cNvPr>
@@ -894,7 +894,7 @@
           <p:cNvPr id="6" name="灯片编号占位符 5">
             <a:extLst>
               <a:ext uri="{FF2B5EF4-FFF2-40B4-BE49-F238E27FC236}">
-                <a16:creationId xmlns:a16="http://schemas.microsoft.com/office/drawing/2014/main" id="{D632EB35-DA3A-B788-4865-AB69D87FDD92}"/>
+                <a16:creationId xmlns:a16="http://schemas.microsoft.com/office/drawing/2014/main" id="{40ABD1E1-1762-87C3-4130-D311FAED9977}"/>
               </a:ext>
             </a:extLst>
           </p:cNvPr>
@@ -910,7 +910,7 @@
           <a:bodyPr/>
           <a:lstStyle/>
           <a:p>
-            <a:fld id="{1726235B-DB0B-4AA6-A3B7-CE4CF7EB5A27}" type="slidenum">
+            <a:fld id="{8313C9DB-CE00-4CC9-9791-220E47FF8678}" type="slidenum">
               <a:rPr lang="zh-CN" altLang="en-US" smtClean="0"/>
               <a:t>‹#›</a:t>
             </a:fld>
@@ -921,7 +921,7 @@
     </p:spTree>
     <p:extLst>
       <p:ext uri="{BB962C8B-B14F-4D97-AF65-F5344CB8AC3E}">
-        <p14:creationId xmlns:p14="http://schemas.microsoft.com/office/powerpoint/2010/main" val="1914398707"/>
+        <p14:creationId xmlns:p14="http://schemas.microsoft.com/office/powerpoint/2010/main" val="1394662883"/>
       </p:ext>
     </p:extLst>
   </p:cSld>
@@ -953,7 +953,7 @@
           <p:cNvPr id="2" name="标题 1">
             <a:extLst>
               <a:ext uri="{FF2B5EF4-FFF2-40B4-BE49-F238E27FC236}">
-                <a16:creationId xmlns:a16="http://schemas.microsoft.com/office/drawing/2014/main" id="{EEAE3E9B-29FA-DB30-1CA0-4DC37C75FCA4}"/>
+                <a16:creationId xmlns:a16="http://schemas.microsoft.com/office/drawing/2014/main" id="{8C1334A9-99AB-834C-8946-F198BCF6A38B}"/>
               </a:ext>
             </a:extLst>
           </p:cNvPr>
@@ -990,7 +990,7 @@
           <p:cNvPr id="3" name="文本占位符 2">
             <a:extLst>
               <a:ext uri="{FF2B5EF4-FFF2-40B4-BE49-F238E27FC236}">
-                <a16:creationId xmlns:a16="http://schemas.microsoft.com/office/drawing/2014/main" id="{797224F8-1AB6-514E-4383-7C2F216D81A8}"/>
+                <a16:creationId xmlns:a16="http://schemas.microsoft.com/office/drawing/2014/main" id="{11C532B7-0AE1-70AC-10EE-664E5DE2BFF7}"/>
               </a:ext>
             </a:extLst>
           </p:cNvPr>
@@ -1115,7 +1115,7 @@
           <p:cNvPr id="4" name="日期占位符 3">
             <a:extLst>
               <a:ext uri="{FF2B5EF4-FFF2-40B4-BE49-F238E27FC236}">
-                <a16:creationId xmlns:a16="http://schemas.microsoft.com/office/drawing/2014/main" id="{9E57A229-D601-0D42-1A06-7CAFE3198DD1}"/>
+                <a16:creationId xmlns:a16="http://schemas.microsoft.com/office/drawing/2014/main" id="{2285EA1B-7BE4-38BD-CE36-6196CDAD1A34}"/>
               </a:ext>
             </a:extLst>
           </p:cNvPr>
@@ -1131,7 +1131,7 @@
           <a:bodyPr/>
           <a:lstStyle/>
           <a:p>
-            <a:fld id="{51BF1174-4EEC-4695-AA6B-1442AAD6DF70}" type="datetimeFigureOut">
+            <a:fld id="{08310540-18F3-47C1-BEA3-926EB97D7935}" type="datetimeFigureOut">
               <a:rPr lang="zh-CN" altLang="en-US" smtClean="0"/>
               <a:t>2024/3/10</a:t>
             </a:fld>
@@ -1144,7 +1144,7 @@
           <p:cNvPr id="5" name="页脚占位符 4">
             <a:extLst>
               <a:ext uri="{FF2B5EF4-FFF2-40B4-BE49-F238E27FC236}">
-                <a16:creationId xmlns:a16="http://schemas.microsoft.com/office/drawing/2014/main" id="{006BBF5D-91C8-1E23-B973-7BEB10C2BBEE}"/>
+                <a16:creationId xmlns:a16="http://schemas.microsoft.com/office/drawing/2014/main" id="{112AF51E-3AC1-C9B3-F9A9-285BB2FB2716}"/>
               </a:ext>
             </a:extLst>
           </p:cNvPr>
@@ -1169,7 +1169,7 @@
           <p:cNvPr id="6" name="灯片编号占位符 5">
             <a:extLst>
               <a:ext uri="{FF2B5EF4-FFF2-40B4-BE49-F238E27FC236}">
-                <a16:creationId xmlns:a16="http://schemas.microsoft.com/office/drawing/2014/main" id="{4ED46544-77EC-DFE8-8D1C-5A304A33D011}"/>
+                <a16:creationId xmlns:a16="http://schemas.microsoft.com/office/drawing/2014/main" id="{3D638489-B931-2DCE-8B4B-11EDDB48E0AC}"/>
               </a:ext>
             </a:extLst>
           </p:cNvPr>
@@ -1185,7 +1185,7 @@
           <a:bodyPr/>
           <a:lstStyle/>
           <a:p>
-            <a:fld id="{1726235B-DB0B-4AA6-A3B7-CE4CF7EB5A27}" type="slidenum">
+            <a:fld id="{8313C9DB-CE00-4CC9-9791-220E47FF8678}" type="slidenum">
               <a:rPr lang="zh-CN" altLang="en-US" smtClean="0"/>
               <a:t>‹#›</a:t>
             </a:fld>
@@ -1196,7 +1196,7 @@
     </p:spTree>
     <p:extLst>
       <p:ext uri="{BB962C8B-B14F-4D97-AF65-F5344CB8AC3E}">
-        <p14:creationId xmlns:p14="http://schemas.microsoft.com/office/powerpoint/2010/main" val="2293852254"/>
+        <p14:creationId xmlns:p14="http://schemas.microsoft.com/office/powerpoint/2010/main" val="2506189418"/>
       </p:ext>
     </p:extLst>
   </p:cSld>
@@ -1228,7 +1228,7 @@
           <p:cNvPr id="2" name="标题 1">
             <a:extLst>
               <a:ext uri="{FF2B5EF4-FFF2-40B4-BE49-F238E27FC236}">
-                <a16:creationId xmlns:a16="http://schemas.microsoft.com/office/drawing/2014/main" id="{F9A3DB16-2C16-1DDE-EF0B-7E2D23BA63F4}"/>
+                <a16:creationId xmlns:a16="http://schemas.microsoft.com/office/drawing/2014/main" id="{2A13C526-33CA-3CEC-B731-82F2116E3F99}"/>
               </a:ext>
             </a:extLst>
           </p:cNvPr>
@@ -1256,7 +1256,7 @@
           <p:cNvPr id="3" name="内容占位符 2">
             <a:extLst>
               <a:ext uri="{FF2B5EF4-FFF2-40B4-BE49-F238E27FC236}">
-                <a16:creationId xmlns:a16="http://schemas.microsoft.com/office/drawing/2014/main" id="{78FA51AA-F133-DB0D-9F54-CE983AC9A459}"/>
+                <a16:creationId xmlns:a16="http://schemas.microsoft.com/office/drawing/2014/main" id="{7B789A59-D2CB-9EA4-DBA6-836AB9C203CC}"/>
               </a:ext>
             </a:extLst>
           </p:cNvPr>
@@ -1318,7 +1318,7 @@
           <p:cNvPr id="4" name="内容占位符 3">
             <a:extLst>
               <a:ext uri="{FF2B5EF4-FFF2-40B4-BE49-F238E27FC236}">
-                <a16:creationId xmlns:a16="http://schemas.microsoft.com/office/drawing/2014/main" id="{F2F258E1-16CD-F439-0399-6B58636C41E5}"/>
+                <a16:creationId xmlns:a16="http://schemas.microsoft.com/office/drawing/2014/main" id="{58DA85D6-E8B1-7EE5-E53D-1CBE729BB954}"/>
               </a:ext>
             </a:extLst>
           </p:cNvPr>
@@ -1380,7 +1380,7 @@
           <p:cNvPr id="5" name="日期占位符 4">
             <a:extLst>
               <a:ext uri="{FF2B5EF4-FFF2-40B4-BE49-F238E27FC236}">
-                <a16:creationId xmlns:a16="http://schemas.microsoft.com/office/drawing/2014/main" id="{5B42B355-A4D7-D183-EF91-865CEEFB1AD5}"/>
+                <a16:creationId xmlns:a16="http://schemas.microsoft.com/office/drawing/2014/main" id="{258438FA-7BCA-9C40-64B0-525C8553D477}"/>
               </a:ext>
             </a:extLst>
           </p:cNvPr>
@@ -1396,7 +1396,7 @@
           <a:bodyPr/>
           <a:lstStyle/>
           <a:p>
-            <a:fld id="{51BF1174-4EEC-4695-AA6B-1442AAD6DF70}" type="datetimeFigureOut">
+            <a:fld id="{08310540-18F3-47C1-BEA3-926EB97D7935}" type="datetimeFigureOut">
               <a:rPr lang="zh-CN" altLang="en-US" smtClean="0"/>
               <a:t>2024/3/10</a:t>
             </a:fld>
@@ -1409,7 +1409,7 @@
           <p:cNvPr id="6" name="页脚占位符 5">
             <a:extLst>
               <a:ext uri="{FF2B5EF4-FFF2-40B4-BE49-F238E27FC236}">
-                <a16:creationId xmlns:a16="http://schemas.microsoft.com/office/drawing/2014/main" id="{94A63CA5-D270-15F2-BBAC-C50922F6A8A0}"/>
+                <a16:creationId xmlns:a16="http://schemas.microsoft.com/office/drawing/2014/main" id="{9949CE4D-D8E4-8BA2-F178-A00FE986257C}"/>
               </a:ext>
             </a:extLst>
           </p:cNvPr>
@@ -1434,7 +1434,7 @@
           <p:cNvPr id="7" name="灯片编号占位符 6">
             <a:extLst>
               <a:ext uri="{FF2B5EF4-FFF2-40B4-BE49-F238E27FC236}">
-                <a16:creationId xmlns:a16="http://schemas.microsoft.com/office/drawing/2014/main" id="{64D3EFE6-3084-C2D8-F04E-9A5CF6D6993C}"/>
+                <a16:creationId xmlns:a16="http://schemas.microsoft.com/office/drawing/2014/main" id="{F144DCE8-6A9A-61F0-DB74-A7F8A581BC7A}"/>
               </a:ext>
             </a:extLst>
           </p:cNvPr>
@@ -1450,7 +1450,7 @@
           <a:bodyPr/>
           <a:lstStyle/>
           <a:p>
-            <a:fld id="{1726235B-DB0B-4AA6-A3B7-CE4CF7EB5A27}" type="slidenum">
+            <a:fld id="{8313C9DB-CE00-4CC9-9791-220E47FF8678}" type="slidenum">
               <a:rPr lang="zh-CN" altLang="en-US" smtClean="0"/>
               <a:t>‹#›</a:t>
             </a:fld>
@@ -1461,7 +1461,7 @@
     </p:spTree>
     <p:extLst>
       <p:ext uri="{BB962C8B-B14F-4D97-AF65-F5344CB8AC3E}">
-        <p14:creationId xmlns:p14="http://schemas.microsoft.com/office/powerpoint/2010/main" val="3153371442"/>
+        <p14:creationId xmlns:p14="http://schemas.microsoft.com/office/powerpoint/2010/main" val="4006500394"/>
       </p:ext>
     </p:extLst>
   </p:cSld>
@@ -1493,7 +1493,7 @@
           <p:cNvPr id="2" name="标题 1">
             <a:extLst>
               <a:ext uri="{FF2B5EF4-FFF2-40B4-BE49-F238E27FC236}">
-                <a16:creationId xmlns:a16="http://schemas.microsoft.com/office/drawing/2014/main" id="{B8EC747C-4826-927B-2D97-D4484AB19EC6}"/>
+                <a16:creationId xmlns:a16="http://schemas.microsoft.com/office/drawing/2014/main" id="{40165196-139F-3C4B-4C32-2E8828A04A2E}"/>
               </a:ext>
             </a:extLst>
           </p:cNvPr>
@@ -1526,7 +1526,7 @@
           <p:cNvPr id="3" name="文本占位符 2">
             <a:extLst>
               <a:ext uri="{FF2B5EF4-FFF2-40B4-BE49-F238E27FC236}">
-                <a16:creationId xmlns:a16="http://schemas.microsoft.com/office/drawing/2014/main" id="{3FE0D9FB-D366-47DB-122C-C745FEDFCF0B}"/>
+                <a16:creationId xmlns:a16="http://schemas.microsoft.com/office/drawing/2014/main" id="{C5224C54-61E6-E9D1-6CF5-17B8C54853BF}"/>
               </a:ext>
             </a:extLst>
           </p:cNvPr>
@@ -1597,7 +1597,7 @@
           <p:cNvPr id="4" name="内容占位符 3">
             <a:extLst>
               <a:ext uri="{FF2B5EF4-FFF2-40B4-BE49-F238E27FC236}">
-                <a16:creationId xmlns:a16="http://schemas.microsoft.com/office/drawing/2014/main" id="{2859F207-24E2-0DB9-8BC8-BF160FF2F92A}"/>
+                <a16:creationId xmlns:a16="http://schemas.microsoft.com/office/drawing/2014/main" id="{618552D7-B75C-79D5-EC25-7AD0D8252B93}"/>
               </a:ext>
             </a:extLst>
           </p:cNvPr>
@@ -1659,7 +1659,7 @@
           <p:cNvPr id="5" name="文本占位符 4">
             <a:extLst>
               <a:ext uri="{FF2B5EF4-FFF2-40B4-BE49-F238E27FC236}">
-                <a16:creationId xmlns:a16="http://schemas.microsoft.com/office/drawing/2014/main" id="{291461AA-4F95-60FF-0202-EC90BA62B324}"/>
+                <a16:creationId xmlns:a16="http://schemas.microsoft.com/office/drawing/2014/main" id="{811B1971-1298-A5E9-DF3A-F50297C0F879}"/>
               </a:ext>
             </a:extLst>
           </p:cNvPr>
@@ -1730,7 +1730,7 @@
           <p:cNvPr id="6" name="内容占位符 5">
             <a:extLst>
               <a:ext uri="{FF2B5EF4-FFF2-40B4-BE49-F238E27FC236}">
-                <a16:creationId xmlns:a16="http://schemas.microsoft.com/office/drawing/2014/main" id="{B58D1561-202A-F10B-A34D-0709F833B5EC}"/>
+                <a16:creationId xmlns:a16="http://schemas.microsoft.com/office/drawing/2014/main" id="{C198F0D7-9044-B3E5-3075-8E60579A5D1A}"/>
               </a:ext>
             </a:extLst>
           </p:cNvPr>
@@ -1792,7 +1792,7 @@
           <p:cNvPr id="7" name="日期占位符 6">
             <a:extLst>
               <a:ext uri="{FF2B5EF4-FFF2-40B4-BE49-F238E27FC236}">
-                <a16:creationId xmlns:a16="http://schemas.microsoft.com/office/drawing/2014/main" id="{13CDC299-45A2-1F6B-469C-360C32D3288C}"/>
+                <a16:creationId xmlns:a16="http://schemas.microsoft.com/office/drawing/2014/main" id="{EFADAACF-D9A7-4A3A-FABC-15E5D8460CE8}"/>
               </a:ext>
             </a:extLst>
           </p:cNvPr>
@@ -1808,7 +1808,7 @@
           <a:bodyPr/>
           <a:lstStyle/>
           <a:p>
-            <a:fld id="{51BF1174-4EEC-4695-AA6B-1442AAD6DF70}" type="datetimeFigureOut">
+            <a:fld id="{08310540-18F3-47C1-BEA3-926EB97D7935}" type="datetimeFigureOut">
               <a:rPr lang="zh-CN" altLang="en-US" smtClean="0"/>
               <a:t>2024/3/10</a:t>
             </a:fld>
@@ -1821,7 +1821,7 @@
           <p:cNvPr id="8" name="页脚占位符 7">
             <a:extLst>
               <a:ext uri="{FF2B5EF4-FFF2-40B4-BE49-F238E27FC236}">
-                <a16:creationId xmlns:a16="http://schemas.microsoft.com/office/drawing/2014/main" id="{A306CDAB-BDD4-BB73-63C4-39D504EEC4F9}"/>
+                <a16:creationId xmlns:a16="http://schemas.microsoft.com/office/drawing/2014/main" id="{5E0538F5-CBF7-1CA5-0C5E-D8C193580EEA}"/>
               </a:ext>
             </a:extLst>
           </p:cNvPr>
@@ -1846,7 +1846,7 @@
           <p:cNvPr id="9" name="灯片编号占位符 8">
             <a:extLst>
               <a:ext uri="{FF2B5EF4-FFF2-40B4-BE49-F238E27FC236}">
-                <a16:creationId xmlns:a16="http://schemas.microsoft.com/office/drawing/2014/main" id="{58AA471C-F7BA-2032-41F3-1EA1737DA0A3}"/>
+                <a16:creationId xmlns:a16="http://schemas.microsoft.com/office/drawing/2014/main" id="{975E647D-1BF8-E3BA-24A6-2CEC6B79021B}"/>
               </a:ext>
             </a:extLst>
           </p:cNvPr>
@@ -1862,7 +1862,7 @@
           <a:bodyPr/>
           <a:lstStyle/>
           <a:p>
-            <a:fld id="{1726235B-DB0B-4AA6-A3B7-CE4CF7EB5A27}" type="slidenum">
+            <a:fld id="{8313C9DB-CE00-4CC9-9791-220E47FF8678}" type="slidenum">
               <a:rPr lang="zh-CN" altLang="en-US" smtClean="0"/>
               <a:t>‹#›</a:t>
             </a:fld>
@@ -1873,7 +1873,7 @@
     </p:spTree>
     <p:extLst>
       <p:ext uri="{BB962C8B-B14F-4D97-AF65-F5344CB8AC3E}">
-        <p14:creationId xmlns:p14="http://schemas.microsoft.com/office/powerpoint/2010/main" val="1467403365"/>
+        <p14:creationId xmlns:p14="http://schemas.microsoft.com/office/powerpoint/2010/main" val="1954727606"/>
       </p:ext>
     </p:extLst>
   </p:cSld>
@@ -1905,7 +1905,7 @@
           <p:cNvPr id="2" name="标题 1">
             <a:extLst>
               <a:ext uri="{FF2B5EF4-FFF2-40B4-BE49-F238E27FC236}">
-                <a16:creationId xmlns:a16="http://schemas.microsoft.com/office/drawing/2014/main" id="{F10D5945-4853-51C0-91B0-C6C5CA5B95C6}"/>
+                <a16:creationId xmlns:a16="http://schemas.microsoft.com/office/drawing/2014/main" id="{C9D6C034-F3EB-B8D8-4317-17F8CF3ABD96}"/>
               </a:ext>
             </a:extLst>
           </p:cNvPr>
@@ -1933,7 +1933,7 @@
           <p:cNvPr id="3" name="日期占位符 2">
             <a:extLst>
               <a:ext uri="{FF2B5EF4-FFF2-40B4-BE49-F238E27FC236}">
-                <a16:creationId xmlns:a16="http://schemas.microsoft.com/office/drawing/2014/main" id="{46DC2053-0E0B-E9E9-9B93-0D918E69E8E8}"/>
+                <a16:creationId xmlns:a16="http://schemas.microsoft.com/office/drawing/2014/main" id="{09B331B2-EFCD-6CA6-32CE-43AF1FD1925C}"/>
               </a:ext>
             </a:extLst>
           </p:cNvPr>
@@ -1949,7 +1949,7 @@
           <a:bodyPr/>
           <a:lstStyle/>
           <a:p>
-            <a:fld id="{51BF1174-4EEC-4695-AA6B-1442AAD6DF70}" type="datetimeFigureOut">
+            <a:fld id="{08310540-18F3-47C1-BEA3-926EB97D7935}" type="datetimeFigureOut">
               <a:rPr lang="zh-CN" altLang="en-US" smtClean="0"/>
               <a:t>2024/3/10</a:t>
             </a:fld>
@@ -1962,7 +1962,7 @@
           <p:cNvPr id="4" name="页脚占位符 3">
             <a:extLst>
               <a:ext uri="{FF2B5EF4-FFF2-40B4-BE49-F238E27FC236}">
-                <a16:creationId xmlns:a16="http://schemas.microsoft.com/office/drawing/2014/main" id="{4CB5BDB9-668D-E26E-F396-13E7082D4FBA}"/>
+                <a16:creationId xmlns:a16="http://schemas.microsoft.com/office/drawing/2014/main" id="{8257465B-F1BC-1A51-61FE-5DA3175A9978}"/>
               </a:ext>
             </a:extLst>
           </p:cNvPr>
@@ -1987,7 +1987,7 @@
           <p:cNvPr id="5" name="灯片编号占位符 4">
             <a:extLst>
               <a:ext uri="{FF2B5EF4-FFF2-40B4-BE49-F238E27FC236}">
-                <a16:creationId xmlns:a16="http://schemas.microsoft.com/office/drawing/2014/main" id="{585DE9DE-8521-5D2D-7FA1-CD7F31C51D83}"/>
+                <a16:creationId xmlns:a16="http://schemas.microsoft.com/office/drawing/2014/main" id="{1F7A93AE-545C-DD85-04C3-0F3F2DE7D1D6}"/>
               </a:ext>
             </a:extLst>
           </p:cNvPr>
@@ -2003,7 +2003,7 @@
           <a:bodyPr/>
           <a:lstStyle/>
           <a:p>
-            <a:fld id="{1726235B-DB0B-4AA6-A3B7-CE4CF7EB5A27}" type="slidenum">
+            <a:fld id="{8313C9DB-CE00-4CC9-9791-220E47FF8678}" type="slidenum">
               <a:rPr lang="zh-CN" altLang="en-US" smtClean="0"/>
               <a:t>‹#›</a:t>
             </a:fld>
@@ -2014,7 +2014,7 @@
     </p:spTree>
     <p:extLst>
       <p:ext uri="{BB962C8B-B14F-4D97-AF65-F5344CB8AC3E}">
-        <p14:creationId xmlns:p14="http://schemas.microsoft.com/office/powerpoint/2010/main" val="2374129450"/>
+        <p14:creationId xmlns:p14="http://schemas.microsoft.com/office/powerpoint/2010/main" val="1888170198"/>
       </p:ext>
     </p:extLst>
   </p:cSld>
@@ -2046,7 +2046,7 @@
           <p:cNvPr id="2" name="日期占位符 1">
             <a:extLst>
               <a:ext uri="{FF2B5EF4-FFF2-40B4-BE49-F238E27FC236}">
-                <a16:creationId xmlns:a16="http://schemas.microsoft.com/office/drawing/2014/main" id="{7B0EB5A1-3E99-864D-9A36-3F0FD352FDB3}"/>
+                <a16:creationId xmlns:a16="http://schemas.microsoft.com/office/drawing/2014/main" id="{537C4A37-8E20-CD85-DC14-310896717155}"/>
               </a:ext>
             </a:extLst>
           </p:cNvPr>
@@ -2062,7 +2062,7 @@
           <a:bodyPr/>
           <a:lstStyle/>
           <a:p>
-            <a:fld id="{51BF1174-4EEC-4695-AA6B-1442AAD6DF70}" type="datetimeFigureOut">
+            <a:fld id="{08310540-18F3-47C1-BEA3-926EB97D7935}" type="datetimeFigureOut">
               <a:rPr lang="zh-CN" altLang="en-US" smtClean="0"/>
               <a:t>2024/3/10</a:t>
             </a:fld>
@@ -2075,7 +2075,7 @@
           <p:cNvPr id="3" name="页脚占位符 2">
             <a:extLst>
               <a:ext uri="{FF2B5EF4-FFF2-40B4-BE49-F238E27FC236}">
-                <a16:creationId xmlns:a16="http://schemas.microsoft.com/office/drawing/2014/main" id="{11DEBB6F-C97E-962E-024B-0EEDC857BC4D}"/>
+                <a16:creationId xmlns:a16="http://schemas.microsoft.com/office/drawing/2014/main" id="{C48EC4CA-1049-F47A-05E8-F95960E5CF24}"/>
               </a:ext>
             </a:extLst>
           </p:cNvPr>
@@ -2100,7 +2100,7 @@
           <p:cNvPr id="4" name="灯片编号占位符 3">
             <a:extLst>
               <a:ext uri="{FF2B5EF4-FFF2-40B4-BE49-F238E27FC236}">
-                <a16:creationId xmlns:a16="http://schemas.microsoft.com/office/drawing/2014/main" id="{2FAA96FA-69E4-E387-0526-6A61741D8526}"/>
+                <a16:creationId xmlns:a16="http://schemas.microsoft.com/office/drawing/2014/main" id="{651CED08-E580-59D5-2C14-ACB70ABF2937}"/>
               </a:ext>
             </a:extLst>
           </p:cNvPr>
@@ -2116,7 +2116,7 @@
           <a:bodyPr/>
           <a:lstStyle/>
           <a:p>
-            <a:fld id="{1726235B-DB0B-4AA6-A3B7-CE4CF7EB5A27}" type="slidenum">
+            <a:fld id="{8313C9DB-CE00-4CC9-9791-220E47FF8678}" type="slidenum">
               <a:rPr lang="zh-CN" altLang="en-US" smtClean="0"/>
               <a:t>‹#›</a:t>
             </a:fld>
@@ -2127,7 +2127,7 @@
     </p:spTree>
     <p:extLst>
       <p:ext uri="{BB962C8B-B14F-4D97-AF65-F5344CB8AC3E}">
-        <p14:creationId xmlns:p14="http://schemas.microsoft.com/office/powerpoint/2010/main" val="2185811903"/>
+        <p14:creationId xmlns:p14="http://schemas.microsoft.com/office/powerpoint/2010/main" val="3019242710"/>
       </p:ext>
     </p:extLst>
   </p:cSld>
@@ -2159,7 +2159,7 @@
           <p:cNvPr id="2" name="标题 1">
             <a:extLst>
               <a:ext uri="{FF2B5EF4-FFF2-40B4-BE49-F238E27FC236}">
-                <a16:creationId xmlns:a16="http://schemas.microsoft.com/office/drawing/2014/main" id="{F0411B8B-4EC7-C0BD-62CE-7655BDBF75DB}"/>
+                <a16:creationId xmlns:a16="http://schemas.microsoft.com/office/drawing/2014/main" id="{07958496-1ECA-8766-5C5A-682DF7B663CF}"/>
               </a:ext>
             </a:extLst>
           </p:cNvPr>
@@ -2196,7 +2196,7 @@
           <p:cNvPr id="3" name="内容占位符 2">
             <a:extLst>
               <a:ext uri="{FF2B5EF4-FFF2-40B4-BE49-F238E27FC236}">
-                <a16:creationId xmlns:a16="http://schemas.microsoft.com/office/drawing/2014/main" id="{C801EADC-D2FC-57DB-9231-2FDAD3DE408E}"/>
+                <a16:creationId xmlns:a16="http://schemas.microsoft.com/office/drawing/2014/main" id="{84118EA5-82A0-B41E-84DF-CC6C1377FEF2}"/>
               </a:ext>
             </a:extLst>
           </p:cNvPr>
@@ -2286,7 +2286,7 @@
           <p:cNvPr id="4" name="文本占位符 3">
             <a:extLst>
               <a:ext uri="{FF2B5EF4-FFF2-40B4-BE49-F238E27FC236}">
-                <a16:creationId xmlns:a16="http://schemas.microsoft.com/office/drawing/2014/main" id="{FFB396D6-C8A7-284C-C8A6-4A1F3BB56F8C}"/>
+                <a16:creationId xmlns:a16="http://schemas.microsoft.com/office/drawing/2014/main" id="{92224E4B-D1E5-7BDB-4D25-576C80293203}"/>
               </a:ext>
             </a:extLst>
           </p:cNvPr>
@@ -2357,7 +2357,7 @@
           <p:cNvPr id="5" name="日期占位符 4">
             <a:extLst>
               <a:ext uri="{FF2B5EF4-FFF2-40B4-BE49-F238E27FC236}">
-                <a16:creationId xmlns:a16="http://schemas.microsoft.com/office/drawing/2014/main" id="{657AB6A6-5D93-C2C7-0E88-D7F374299266}"/>
+                <a16:creationId xmlns:a16="http://schemas.microsoft.com/office/drawing/2014/main" id="{2FC2042B-DF3C-EBE7-B75A-20306271C137}"/>
               </a:ext>
             </a:extLst>
           </p:cNvPr>
@@ -2373,7 +2373,7 @@
           <a:bodyPr/>
           <a:lstStyle/>
           <a:p>
-            <a:fld id="{51BF1174-4EEC-4695-AA6B-1442AAD6DF70}" type="datetimeFigureOut">
+            <a:fld id="{08310540-18F3-47C1-BEA3-926EB97D7935}" type="datetimeFigureOut">
               <a:rPr lang="zh-CN" altLang="en-US" smtClean="0"/>
               <a:t>2024/3/10</a:t>
             </a:fld>
@@ -2386,7 +2386,7 @@
           <p:cNvPr id="6" name="页脚占位符 5">
             <a:extLst>
               <a:ext uri="{FF2B5EF4-FFF2-40B4-BE49-F238E27FC236}">
-                <a16:creationId xmlns:a16="http://schemas.microsoft.com/office/drawing/2014/main" id="{A053D23B-7C02-A148-7998-DB2CA13B4248}"/>
+                <a16:creationId xmlns:a16="http://schemas.microsoft.com/office/drawing/2014/main" id="{C2D15801-8DD7-CA5A-E1A8-C1C456072B57}"/>
               </a:ext>
             </a:extLst>
           </p:cNvPr>
@@ -2411,7 +2411,7 @@
           <p:cNvPr id="7" name="灯片编号占位符 6">
             <a:extLst>
               <a:ext uri="{FF2B5EF4-FFF2-40B4-BE49-F238E27FC236}">
-                <a16:creationId xmlns:a16="http://schemas.microsoft.com/office/drawing/2014/main" id="{6077C7CD-3CA5-812D-A08A-A3299208A739}"/>
+                <a16:creationId xmlns:a16="http://schemas.microsoft.com/office/drawing/2014/main" id="{587C40AB-D585-9244-F1EF-79D6B149EBD4}"/>
               </a:ext>
             </a:extLst>
           </p:cNvPr>
@@ -2427,7 +2427,7 @@
           <a:bodyPr/>
           <a:lstStyle/>
           <a:p>
-            <a:fld id="{1726235B-DB0B-4AA6-A3B7-CE4CF7EB5A27}" type="slidenum">
+            <a:fld id="{8313C9DB-CE00-4CC9-9791-220E47FF8678}" type="slidenum">
               <a:rPr lang="zh-CN" altLang="en-US" smtClean="0"/>
               <a:t>‹#›</a:t>
             </a:fld>
@@ -2438,7 +2438,7 @@
     </p:spTree>
     <p:extLst>
       <p:ext uri="{BB962C8B-B14F-4D97-AF65-F5344CB8AC3E}">
-        <p14:creationId xmlns:p14="http://schemas.microsoft.com/office/powerpoint/2010/main" val="2010478966"/>
+        <p14:creationId xmlns:p14="http://schemas.microsoft.com/office/powerpoint/2010/main" val="4131116643"/>
       </p:ext>
     </p:extLst>
   </p:cSld>
@@ -2470,7 +2470,7 @@
           <p:cNvPr id="2" name="标题 1">
             <a:extLst>
               <a:ext uri="{FF2B5EF4-FFF2-40B4-BE49-F238E27FC236}">
-                <a16:creationId xmlns:a16="http://schemas.microsoft.com/office/drawing/2014/main" id="{231E2182-E014-573E-E0B1-C5E31A6AA793}"/>
+                <a16:creationId xmlns:a16="http://schemas.microsoft.com/office/drawing/2014/main" id="{1290ADBC-4678-AC24-CFD8-FA8BA178D7F2}"/>
               </a:ext>
             </a:extLst>
           </p:cNvPr>
@@ -2507,7 +2507,7 @@
           <p:cNvPr id="3" name="图片占位符 2">
             <a:extLst>
               <a:ext uri="{FF2B5EF4-FFF2-40B4-BE49-F238E27FC236}">
-                <a16:creationId xmlns:a16="http://schemas.microsoft.com/office/drawing/2014/main" id="{2324B0BE-DA21-DA54-9CB0-27E654CC9D16}"/>
+                <a16:creationId xmlns:a16="http://schemas.microsoft.com/office/drawing/2014/main" id="{72D9C5F1-EA38-6DB5-0AA9-D6D626E98EA7}"/>
               </a:ext>
             </a:extLst>
           </p:cNvPr>
@@ -2574,7 +2574,7 @@
           <p:cNvPr id="4" name="文本占位符 3">
             <a:extLst>
               <a:ext uri="{FF2B5EF4-FFF2-40B4-BE49-F238E27FC236}">
-                <a16:creationId xmlns:a16="http://schemas.microsoft.com/office/drawing/2014/main" id="{6F0AEFE6-C7CE-0BF2-0567-A689608CC669}"/>
+                <a16:creationId xmlns:a16="http://schemas.microsoft.com/office/drawing/2014/main" id="{44FBDFD1-EFC8-6160-0DF2-2C30015FD3CA}"/>
               </a:ext>
             </a:extLst>
           </p:cNvPr>
@@ -2645,7 +2645,7 @@
           <p:cNvPr id="5" name="日期占位符 4">
             <a:extLst>
               <a:ext uri="{FF2B5EF4-FFF2-40B4-BE49-F238E27FC236}">
-                <a16:creationId xmlns:a16="http://schemas.microsoft.com/office/drawing/2014/main" id="{221E7E73-B159-0AC0-1EBD-94996B33EABD}"/>
+                <a16:creationId xmlns:a16="http://schemas.microsoft.com/office/drawing/2014/main" id="{7E1F05C2-2BAF-7FEB-D773-8AD0A789AC5C}"/>
               </a:ext>
             </a:extLst>
           </p:cNvPr>
@@ -2661,7 +2661,7 @@
           <a:bodyPr/>
           <a:lstStyle/>
           <a:p>
-            <a:fld id="{51BF1174-4EEC-4695-AA6B-1442AAD6DF70}" type="datetimeFigureOut">
+            <a:fld id="{08310540-18F3-47C1-BEA3-926EB97D7935}" type="datetimeFigureOut">
               <a:rPr lang="zh-CN" altLang="en-US" smtClean="0"/>
               <a:t>2024/3/10</a:t>
             </a:fld>
@@ -2674,7 +2674,7 @@
           <p:cNvPr id="6" name="页脚占位符 5">
             <a:extLst>
               <a:ext uri="{FF2B5EF4-FFF2-40B4-BE49-F238E27FC236}">
-                <a16:creationId xmlns:a16="http://schemas.microsoft.com/office/drawing/2014/main" id="{2E163782-C65D-2B1C-1282-BDD71A3E28B4}"/>
+                <a16:creationId xmlns:a16="http://schemas.microsoft.com/office/drawing/2014/main" id="{D6992A84-C4BD-2E4E-2E4B-A33E605661E9}"/>
               </a:ext>
             </a:extLst>
           </p:cNvPr>
@@ -2699,7 +2699,7 @@
           <p:cNvPr id="7" name="灯片编号占位符 6">
             <a:extLst>
               <a:ext uri="{FF2B5EF4-FFF2-40B4-BE49-F238E27FC236}">
-                <a16:creationId xmlns:a16="http://schemas.microsoft.com/office/drawing/2014/main" id="{72A91A1C-51A6-B9FB-0C04-126F20FD28C2}"/>
+                <a16:creationId xmlns:a16="http://schemas.microsoft.com/office/drawing/2014/main" id="{82EBFEA8-1557-CBB9-4919-581DE759D76E}"/>
               </a:ext>
             </a:extLst>
           </p:cNvPr>
@@ -2715,7 +2715,7 @@
           <a:bodyPr/>
           <a:lstStyle/>
           <a:p>
-            <a:fld id="{1726235B-DB0B-4AA6-A3B7-CE4CF7EB5A27}" type="slidenum">
+            <a:fld id="{8313C9DB-CE00-4CC9-9791-220E47FF8678}" type="slidenum">
               <a:rPr lang="zh-CN" altLang="en-US" smtClean="0"/>
               <a:t>‹#›</a:t>
             </a:fld>
@@ -2726,7 +2726,7 @@
     </p:spTree>
     <p:extLst>
       <p:ext uri="{BB962C8B-B14F-4D97-AF65-F5344CB8AC3E}">
-        <p14:creationId xmlns:p14="http://schemas.microsoft.com/office/powerpoint/2010/main" val="1037471741"/>
+        <p14:creationId xmlns:p14="http://schemas.microsoft.com/office/powerpoint/2010/main" val="2624608914"/>
       </p:ext>
     </p:extLst>
   </p:cSld>
@@ -2763,7 +2763,7 @@
           <p:cNvPr id="2" name="标题占位符 1">
             <a:extLst>
               <a:ext uri="{FF2B5EF4-FFF2-40B4-BE49-F238E27FC236}">
-                <a16:creationId xmlns:a16="http://schemas.microsoft.com/office/drawing/2014/main" id="{77AE4120-51A1-C709-6F0E-5BA061512AFE}"/>
+                <a16:creationId xmlns:a16="http://schemas.microsoft.com/office/drawing/2014/main" id="{4E96C7F2-F902-9D77-DD0E-582A74857121}"/>
               </a:ext>
             </a:extLst>
           </p:cNvPr>
@@ -2801,7 +2801,7 @@
           <p:cNvPr id="3" name="文本占位符 2">
             <a:extLst>
               <a:ext uri="{FF2B5EF4-FFF2-40B4-BE49-F238E27FC236}">
-                <a16:creationId xmlns:a16="http://schemas.microsoft.com/office/drawing/2014/main" id="{B0A0EAD7-E700-B5ED-29A8-656F5FC1696C}"/>
+                <a16:creationId xmlns:a16="http://schemas.microsoft.com/office/drawing/2014/main" id="{8DF3D36C-2448-3F87-37C8-27A89523C498}"/>
               </a:ext>
             </a:extLst>
           </p:cNvPr>
@@ -2868,7 +2868,7 @@
           <p:cNvPr id="4" name="日期占位符 3">
             <a:extLst>
               <a:ext uri="{FF2B5EF4-FFF2-40B4-BE49-F238E27FC236}">
-                <a16:creationId xmlns:a16="http://schemas.microsoft.com/office/drawing/2014/main" id="{19F02CDA-1F8E-2EFB-2A86-8E609C44DCED}"/>
+                <a16:creationId xmlns:a16="http://schemas.microsoft.com/office/drawing/2014/main" id="{16B469C0-BB7C-3384-7C84-B3B9470E8B8D}"/>
               </a:ext>
             </a:extLst>
           </p:cNvPr>
@@ -2902,7 +2902,7 @@
             </a:lvl1pPr>
           </a:lstStyle>
           <a:p>
-            <a:fld id="{51BF1174-4EEC-4695-AA6B-1442AAD6DF70}" type="datetimeFigureOut">
+            <a:fld id="{08310540-18F3-47C1-BEA3-926EB97D7935}" type="datetimeFigureOut">
               <a:rPr lang="zh-CN" altLang="en-US" smtClean="0"/>
               <a:t>2024/3/10</a:t>
             </a:fld>
@@ -2915,7 +2915,7 @@
           <p:cNvPr id="5" name="页脚占位符 4">
             <a:extLst>
               <a:ext uri="{FF2B5EF4-FFF2-40B4-BE49-F238E27FC236}">
-                <a16:creationId xmlns:a16="http://schemas.microsoft.com/office/drawing/2014/main" id="{8C066A27-EBF0-562E-378C-2609D4AA1273}"/>
+                <a16:creationId xmlns:a16="http://schemas.microsoft.com/office/drawing/2014/main" id="{046FEBEA-611B-7A73-2E40-766BF38CCD48}"/>
               </a:ext>
             </a:extLst>
           </p:cNvPr>
@@ -2958,7 +2958,7 @@
           <p:cNvPr id="6" name="灯片编号占位符 5">
             <a:extLst>
               <a:ext uri="{FF2B5EF4-FFF2-40B4-BE49-F238E27FC236}">
-                <a16:creationId xmlns:a16="http://schemas.microsoft.com/office/drawing/2014/main" id="{610007B4-6704-3B28-39DE-AC6745FB2645}"/>
+                <a16:creationId xmlns:a16="http://schemas.microsoft.com/office/drawing/2014/main" id="{E98DA524-EA5C-4669-D480-235DAB5C54A3}"/>
               </a:ext>
             </a:extLst>
           </p:cNvPr>
@@ -2992,7 +2992,7 @@
             </a:lvl1pPr>
           </a:lstStyle>
           <a:p>
-            <a:fld id="{1726235B-DB0B-4AA6-A3B7-CE4CF7EB5A27}" type="slidenum">
+            <a:fld id="{8313C9DB-CE00-4CC9-9791-220E47FF8678}" type="slidenum">
               <a:rPr lang="zh-CN" altLang="en-US" smtClean="0"/>
               <a:t>‹#›</a:t>
             </a:fld>
@@ -3003,7 +3003,7 @@
     </p:spTree>
     <p:extLst>
       <p:ext uri="{BB962C8B-B14F-4D97-AF65-F5344CB8AC3E}">
-        <p14:creationId xmlns:p14="http://schemas.microsoft.com/office/powerpoint/2010/main" val="3040302464"/>
+        <p14:creationId xmlns:p14="http://schemas.microsoft.com/office/powerpoint/2010/main" val="3509941855"/>
       </p:ext>
     </p:extLst>
   </p:cSld>
@@ -3323,7 +3323,7 @@
       </p:grpSpPr>
       <p:pic>
         <p:nvPicPr>
-          <p:cNvPr id="924674" name="Picture 2" descr="902"/>
+          <p:cNvPr id="925698" name="Picture 2" descr="903"/>
           <p:cNvPicPr>
             <a:picLocks noChangeAspect="1" noChangeArrowheads="1"/>
           </p:cNvPicPr>
@@ -3344,8 +3344,8 @@
         </p:blipFill>
         <p:spPr bwMode="auto">
           <a:xfrm>
-            <a:off x="1543050" y="14288"/>
-            <a:ext cx="9124950" cy="6843712"/>
+            <a:off x="1524000" y="0"/>
+            <a:ext cx="9124950" cy="6021388"/>
           </a:xfrm>
           <a:prstGeom prst="rect">
             <a:avLst/>
